--- a/Desktop Publishing & Presentation Graphics Applications/Applying Advanced Graphic Techniques and Inserting Audio and Video/Jazz Album.pptx
+++ b/Desktop Publishing & Presentation Graphics Applications/Applying Advanced Graphic Techniques and Inserting Audio and Video/Jazz Album.pptx
@@ -1,6 +1,6 @@
 
 <file path=ppt/presentation.xml><?xml version="1.0" encoding="utf-8"?>
-<p:presentation xmlns:a="http://schemas.openxmlformats.org/drawingml/2006/main" xmlns:r="http://schemas.openxmlformats.org/officeDocument/2006/relationships" xmlns:p="http://schemas.openxmlformats.org/presentationml/2006/main" saveSubsetFonts="1">
+<p:presentation xmlns:a="http://schemas.openxmlformats.org/drawingml/2006/main" xmlns:r="http://schemas.openxmlformats.org/officeDocument/2006/relationships" xmlns:p="http://schemas.openxmlformats.org/presentationml/2006/main" showSpecialPlsOnTitleSld="0" saveSubsetFonts="1">
   <p:sldMasterIdLst>
     <p:sldMasterId id="2147483648" r:id="rId1"/>
   </p:sldMasterIdLst>
@@ -117,13 +117,18 @@
       </a:defRPr>
     </a:lvl9pPr>
   </p:defaultTextStyle>
+  <p:extLst>
+    <p:ext uri="{EFAFB233-063F-42B5-8137-9DF3F51BA10A}">
+      <p15:sldGuideLst xmlns:p15="http://schemas.microsoft.com/office/powerpoint/2012/main"/>
+    </p:ext>
+  </p:extLst>
 </p:presentation>
 </file>
 
 <file path=ppt/revisionInfo.xml><?xml version="1.0" encoding="utf-8"?>
 <p1510:revInfo xmlns:a="http://schemas.openxmlformats.org/drawingml/2006/main" xmlns:r="http://schemas.openxmlformats.org/officeDocument/2006/relationships" xmlns:p1510="http://schemas.microsoft.com/office/powerpoint/2015/10/main">
   <p1510:revLst>
-    <p1510:client id="{E8AF6F31-AAD7-45A1-8E61-0A18D76E40A9}" v="117" dt="2025-10-10T02:36:01.736"/>
+    <p1510:client id="{E8AF6F31-AAD7-45A1-8E61-0A18D76E40A9}" v="118" dt="2025-10-11T01:51:45.824"/>
   </p1510:revLst>
 </p1510:revInfo>
 </file>
@@ -387,9 +392,9 @@
             </a:lvl1pPr>
           </a:lstStyle>
           <a:p>
-            <a:fld id="{3059AA53-7E00-48AA-A52F-AF99C4BD72E2}" type="datetimeFigureOut">
+            <a:fld id="{06D0AFE6-CE28-49EC-A276-ED220DB3ADED}" type="datetime1">
               <a:rPr lang="en-US" smtClean="0"/>
-              <a:t>10/9/2025</a:t>
+              <a:t>10/10/2025</a:t>
             </a:fld>
             <a:endParaRPr lang="en-US"/>
           </a:p>
@@ -484,7 +489,7 @@
     </p:extLst>
   </p:cSld>
   <p:clrMap bg1="lt1" tx1="dk1" bg2="lt2" tx2="dk2" accent1="accent1" accent2="accent2" accent3="accent3" accent4="accent4" accent5="accent5" accent6="accent6" hlink="hlink" folHlink="folHlink"/>
-  <p:hf hdr="0" dt="0"/>
+  <p:hf hdr="0"/>
 </p:handoutMaster>
 </file>
 
@@ -568,9 +573,9 @@
             </a:lvl1pPr>
           </a:lstStyle>
           <a:p>
-            <a:fld id="{D1D14A4D-4F82-4950-B345-8063C102BFC2}" type="datetimeFigureOut">
+            <a:fld id="{CFE5612C-8925-44B0-BD26-999DF17659E5}" type="datetime1">
               <a:rPr lang="en-US" smtClean="0"/>
-              <a:t>10/9/2025</a:t>
+              <a:t>10/10/2025</a:t>
             </a:fld>
             <a:endParaRPr lang="en-US"/>
           </a:p>
@@ -745,7 +750,7 @@
     </p:extLst>
   </p:cSld>
   <p:clrMap bg1="lt1" tx1="dk1" bg2="lt2" tx2="dk2" accent1="accent1" accent2="accent2" accent3="accent3" accent4="accent4" accent5="accent5" accent6="accent6" hlink="hlink" folHlink="folHlink"/>
-  <p:hf hdr="0" dt="0"/>
+  <p:hf hdr="0"/>
   <p:notesStyle>
     <a:lvl1pPr marL="0" algn="l" defTabSz="914400" rtl="0" eaLnBrk="1" latinLnBrk="0" hangingPunct="1">
       <a:defRPr sz="1200" kern="1200">
@@ -986,9 +991,9 @@
           <a:bodyPr/>
           <a:lstStyle/>
           <a:p>
-            <a:fld id="{59756DF2-E47B-425E-9EC0-28FA9FEE57E5}" type="datetime1">
+            <a:fld id="{6E1BF2F6-5082-4069-82E1-229488E1FA71}" type="datetime1">
               <a:rPr lang="en-US" smtClean="0"/>
-              <a:t>10/9/2025</a:t>
+              <a:t>10/10/2025</a:t>
             </a:fld>
             <a:endParaRPr lang="en-US"/>
           </a:p>
@@ -1015,10 +1020,7 @@
           <a:bodyPr/>
           <a:lstStyle/>
           <a:p>
-            <a:r>
-              <a:rPr lang="en-US"/>
-              <a:t>Soumya Vajjhala Jazz Album</a:t>
-            </a:r>
+            <a:endParaRPr lang="en-US"/>
           </a:p>
         </p:txBody>
       </p:sp>
@@ -1187,9 +1189,9 @@
           <a:bodyPr/>
           <a:lstStyle/>
           <a:p>
-            <a:fld id="{F6008C22-3135-420B-849D-52B551790489}" type="datetime1">
+            <a:fld id="{8A83E6B8-C9CE-4844-95ED-C058399D6FFE}" type="datetime1">
               <a:rPr lang="en-US" smtClean="0"/>
-              <a:t>10/9/2025</a:t>
+              <a:t>10/10/2025</a:t>
             </a:fld>
             <a:endParaRPr lang="en-US"/>
           </a:p>
@@ -1216,10 +1218,7 @@
           <a:bodyPr/>
           <a:lstStyle/>
           <a:p>
-            <a:r>
-              <a:rPr lang="en-US"/>
-              <a:t>Soumya Vajjhala Jazz Album</a:t>
-            </a:r>
+            <a:endParaRPr lang="en-US"/>
           </a:p>
         </p:txBody>
       </p:sp>
@@ -1398,9 +1397,9 @@
           <a:bodyPr/>
           <a:lstStyle/>
           <a:p>
-            <a:fld id="{7E8C02E3-CC4F-4F36-933E-95D2DEA88E88}" type="datetime1">
+            <a:fld id="{C15DEA35-1F30-46C8-8855-3E2E5E568D92}" type="datetime1">
               <a:rPr lang="en-US" smtClean="0"/>
-              <a:t>10/9/2025</a:t>
+              <a:t>10/10/2025</a:t>
             </a:fld>
             <a:endParaRPr lang="en-US"/>
           </a:p>
@@ -1427,10 +1426,7 @@
           <a:bodyPr/>
           <a:lstStyle/>
           <a:p>
-            <a:r>
-              <a:rPr lang="en-US"/>
-              <a:t>Soumya Vajjhala Jazz Album</a:t>
-            </a:r>
+            <a:endParaRPr lang="en-US"/>
           </a:p>
         </p:txBody>
       </p:sp>
@@ -1599,9 +1595,9 @@
           <a:bodyPr/>
           <a:lstStyle/>
           <a:p>
-            <a:fld id="{EE9FA11B-26C4-4F9F-A9B7-CBE7A73280B6}" type="datetime1">
+            <a:fld id="{0CC3DDBD-4C02-44FF-8D3E-14C2D98DD9F6}" type="datetime1">
               <a:rPr lang="en-US" smtClean="0"/>
-              <a:t>10/9/2025</a:t>
+              <a:t>10/10/2025</a:t>
             </a:fld>
             <a:endParaRPr lang="en-US"/>
           </a:p>
@@ -1628,10 +1624,7 @@
           <a:bodyPr/>
           <a:lstStyle/>
           <a:p>
-            <a:r>
-              <a:rPr lang="en-US"/>
-              <a:t>Soumya Vajjhala Jazz Album</a:t>
-            </a:r>
+            <a:endParaRPr lang="en-US"/>
           </a:p>
         </p:txBody>
       </p:sp>
@@ -1877,9 +1870,9 @@
           <a:bodyPr/>
           <a:lstStyle/>
           <a:p>
-            <a:fld id="{44BBD9B8-EBDA-4C96-86D7-199FFC560DD3}" type="datetime1">
+            <a:fld id="{F1C379FF-4779-47A4-8DF6-A4FDCC2EFAC8}" type="datetime1">
               <a:rPr lang="en-US" smtClean="0"/>
-              <a:t>10/9/2025</a:t>
+              <a:t>10/10/2025</a:t>
             </a:fld>
             <a:endParaRPr lang="en-US"/>
           </a:p>
@@ -1906,10 +1899,7 @@
           <a:bodyPr/>
           <a:lstStyle/>
           <a:p>
-            <a:r>
-              <a:rPr lang="en-US"/>
-              <a:t>Soumya Vajjhala Jazz Album</a:t>
-            </a:r>
+            <a:endParaRPr lang="en-US"/>
           </a:p>
         </p:txBody>
       </p:sp>
@@ -2145,9 +2135,9 @@
           <a:bodyPr/>
           <a:lstStyle/>
           <a:p>
-            <a:fld id="{74D5B9AE-695C-482C-9582-E04D313DFA6C}" type="datetime1">
+            <a:fld id="{A4E320B2-9A5F-4AEC-B50E-95BFDA07612F}" type="datetime1">
               <a:rPr lang="en-US" smtClean="0"/>
-              <a:t>10/9/2025</a:t>
+              <a:t>10/10/2025</a:t>
             </a:fld>
             <a:endParaRPr lang="en-US"/>
           </a:p>
@@ -2174,10 +2164,7 @@
           <a:bodyPr/>
           <a:lstStyle/>
           <a:p>
-            <a:r>
-              <a:rPr lang="en-US"/>
-              <a:t>Soumya Vajjhala Jazz Album</a:t>
-            </a:r>
+            <a:endParaRPr lang="en-US"/>
           </a:p>
         </p:txBody>
       </p:sp>
@@ -2560,9 +2547,9 @@
           <a:bodyPr/>
           <a:lstStyle/>
           <a:p>
-            <a:fld id="{957E6D93-92D3-4F2E-B044-934F36139966}" type="datetime1">
+            <a:fld id="{6B36C90E-E002-438E-A73F-1E3856B4AA12}" type="datetime1">
               <a:rPr lang="en-US" smtClean="0"/>
-              <a:t>10/9/2025</a:t>
+              <a:t>10/10/2025</a:t>
             </a:fld>
             <a:endParaRPr lang="en-US"/>
           </a:p>
@@ -2589,10 +2576,7 @@
           <a:bodyPr/>
           <a:lstStyle/>
           <a:p>
-            <a:r>
-              <a:rPr lang="en-US"/>
-              <a:t>Soumya Vajjhala Jazz Album</a:t>
-            </a:r>
+            <a:endParaRPr lang="en-US"/>
           </a:p>
         </p:txBody>
       </p:sp>
@@ -2704,9 +2688,9 @@
           <a:bodyPr/>
           <a:lstStyle/>
           <a:p>
-            <a:fld id="{5705248C-092F-4AF3-9107-B153B4E8BF06}" type="datetime1">
+            <a:fld id="{880BA93D-978B-4BC3-A248-F2E0D43B9D2C}" type="datetime1">
               <a:rPr lang="en-US" smtClean="0"/>
-              <a:t>10/9/2025</a:t>
+              <a:t>10/10/2025</a:t>
             </a:fld>
             <a:endParaRPr lang="en-US"/>
           </a:p>
@@ -2733,10 +2717,7 @@
           <a:bodyPr/>
           <a:lstStyle/>
           <a:p>
-            <a:r>
-              <a:rPr lang="en-US"/>
-              <a:t>Soumya Vajjhala Jazz Album</a:t>
-            </a:r>
+            <a:endParaRPr lang="en-US"/>
           </a:p>
         </p:txBody>
       </p:sp>
@@ -2820,9 +2801,9 @@
           <a:bodyPr/>
           <a:lstStyle/>
           <a:p>
-            <a:fld id="{ABA3B076-202C-4F2A-93C3-6AACF148DA8D}" type="datetime1">
+            <a:fld id="{B56E634A-52E1-426A-B9B2-DBFA509191C9}" type="datetime1">
               <a:rPr lang="en-US" smtClean="0"/>
-              <a:t>10/9/2025</a:t>
+              <a:t>10/10/2025</a:t>
             </a:fld>
             <a:endParaRPr lang="en-US"/>
           </a:p>
@@ -2849,10 +2830,7 @@
           <a:bodyPr/>
           <a:lstStyle/>
           <a:p>
-            <a:r>
-              <a:rPr lang="en-US"/>
-              <a:t>Soumya Vajjhala Jazz Album</a:t>
-            </a:r>
+            <a:endParaRPr lang="en-US"/>
           </a:p>
         </p:txBody>
       </p:sp>
@@ -3134,9 +3112,9 @@
           <a:bodyPr/>
           <a:lstStyle/>
           <a:p>
-            <a:fld id="{13ECDBB4-673C-4669-9DB9-03CD010C735E}" type="datetime1">
+            <a:fld id="{D2865A13-10AB-4A19-B778-8896840E974E}" type="datetime1">
               <a:rPr lang="en-US" smtClean="0"/>
-              <a:t>10/9/2025</a:t>
+              <a:t>10/10/2025</a:t>
             </a:fld>
             <a:endParaRPr lang="en-US"/>
           </a:p>
@@ -3163,10 +3141,7 @@
           <a:bodyPr/>
           <a:lstStyle/>
           <a:p>
-            <a:r>
-              <a:rPr lang="en-US"/>
-              <a:t>Soumya Vajjhala Jazz Album</a:t>
-            </a:r>
+            <a:endParaRPr lang="en-US"/>
           </a:p>
         </p:txBody>
       </p:sp>
@@ -3425,9 +3400,9 @@
           <a:bodyPr/>
           <a:lstStyle/>
           <a:p>
-            <a:fld id="{9F2F5687-75DC-4424-AA31-06A0F60D8113}" type="datetime1">
+            <a:fld id="{798FD73C-539B-4E31-B7B7-576800B9B30D}" type="datetime1">
               <a:rPr lang="en-US" smtClean="0"/>
-              <a:t>10/9/2025</a:t>
+              <a:t>10/10/2025</a:t>
             </a:fld>
             <a:endParaRPr lang="en-US"/>
           </a:p>
@@ -3454,10 +3429,7 @@
           <a:bodyPr/>
           <a:lstStyle/>
           <a:p>
-            <a:r>
-              <a:rPr lang="en-US"/>
-              <a:t>Soumya Vajjhala Jazz Album</a:t>
-            </a:r>
+            <a:endParaRPr lang="en-US"/>
           </a:p>
         </p:txBody>
       </p:sp>
@@ -3669,9 +3641,9 @@
             </a:lvl1pPr>
           </a:lstStyle>
           <a:p>
-            <a:fld id="{130664BF-062A-40A3-B51E-19A70827292E}" type="datetime1">
+            <a:fld id="{FD5DFBF6-99A7-4A7F-887A-FAC12E183B96}" type="datetime1">
               <a:rPr lang="en-US" smtClean="0"/>
-              <a:t>10/9/2025</a:t>
+              <a:t>10/10/2025</a:t>
             </a:fld>
             <a:endParaRPr lang="en-US"/>
           </a:p>
@@ -3716,10 +3688,7 @@
             </a:lvl1pPr>
           </a:lstStyle>
           <a:p>
-            <a:r>
-              <a:rPr lang="en-US"/>
-              <a:t>Soumya Vajjhala Jazz Album</a:t>
-            </a:r>
+            <a:endParaRPr lang="en-US"/>
           </a:p>
         </p:txBody>
       </p:sp>
@@ -4176,63 +4145,6 @@
           </a:p>
         </p:txBody>
       </p:sp>
-      <p:sp>
-        <p:nvSpPr>
-          <p:cNvPr id="4" name="Date Placeholder 3">
-            <a:extLst>
-              <a:ext uri="{FF2B5EF4-FFF2-40B4-BE49-F238E27FC236}">
-                <a16:creationId xmlns:a16="http://schemas.microsoft.com/office/drawing/2014/main" id="{61A539A5-5CF0-630A-5810-9A213AD082E0}"/>
-              </a:ext>
-            </a:extLst>
-          </p:cNvPr>
-          <p:cNvSpPr>
-            <a:spLocks noGrp="1"/>
-          </p:cNvSpPr>
-          <p:nvPr>
-            <p:ph type="dt" sz="half" idx="10"/>
-          </p:nvPr>
-        </p:nvSpPr>
-        <p:spPr/>
-        <p:txBody>
-          <a:bodyPr/>
-          <a:lstStyle/>
-          <a:p>
-            <a:fld id="{3BFD81F5-3876-4B20-A627-077DECCA2989}" type="datetime1">
-              <a:rPr lang="en-US" smtClean="0"/>
-              <a:t>10/9/2025</a:t>
-            </a:fld>
-            <a:endParaRPr lang="en-US"/>
-          </a:p>
-        </p:txBody>
-      </p:sp>
-      <p:sp>
-        <p:nvSpPr>
-          <p:cNvPr id="5" name="Footer Placeholder 4">
-            <a:extLst>
-              <a:ext uri="{FF2B5EF4-FFF2-40B4-BE49-F238E27FC236}">
-                <a16:creationId xmlns:a16="http://schemas.microsoft.com/office/drawing/2014/main" id="{81307D51-03FF-B535-333C-7A8E3F7AD58F}"/>
-              </a:ext>
-            </a:extLst>
-          </p:cNvPr>
-          <p:cNvSpPr>
-            <a:spLocks noGrp="1"/>
-          </p:cNvSpPr>
-          <p:nvPr>
-            <p:ph type="ftr" sz="quarter" idx="11"/>
-          </p:nvPr>
-        </p:nvSpPr>
-        <p:spPr/>
-        <p:txBody>
-          <a:bodyPr/>
-          <a:lstStyle/>
-          <a:p>
-            <a:r>
-              <a:rPr lang="en-US"/>
-              <a:t>Soumya Vajjhala Jazz Album</a:t>
-            </a:r>
-          </a:p>
-        </p:txBody>
-      </p:sp>
     </p:spTree>
     <p:extLst>
       <p:ext uri="{BB962C8B-B14F-4D97-AF65-F5344CB8AC3E}">
@@ -4413,9 +4325,9 @@
           <a:bodyPr/>
           <a:lstStyle/>
           <a:p>
-            <a:fld id="{447F45CD-2E9E-44F1-8662-C0D209375FF3}" type="datetime1">
+            <a:fld id="{595FBE4C-E173-4DE2-B3CA-15DDF1C408F3}" type="datetime1">
               <a:rPr lang="en-US" smtClean="0"/>
-              <a:t>10/9/2025</a:t>
+              <a:t>10/10/2025</a:t>
             </a:fld>
             <a:endParaRPr lang="en-US"/>
           </a:p>
@@ -4442,10 +4354,7 @@
           <a:bodyPr/>
           <a:lstStyle/>
           <a:p>
-            <a:r>
-              <a:rPr lang="en-US"/>
-              <a:t>Soumya Vajjhala Jazz Album</a:t>
-            </a:r>
+            <a:endParaRPr lang="en-US"/>
           </a:p>
         </p:txBody>
       </p:sp>
@@ -4629,9 +4538,9 @@
           <a:bodyPr/>
           <a:lstStyle/>
           <a:p>
-            <a:fld id="{39099B43-3AC5-41D4-9A68-CF550325556D}" type="datetime1">
+            <a:fld id="{11DAD012-B229-4574-B2CD-E5BC8C1ED6A6}" type="datetime1">
               <a:rPr lang="en-US" smtClean="0"/>
-              <a:t>10/9/2025</a:t>
+              <a:t>10/10/2025</a:t>
             </a:fld>
             <a:endParaRPr lang="en-US"/>
           </a:p>
@@ -4658,10 +4567,7 @@
           <a:bodyPr/>
           <a:lstStyle/>
           <a:p>
-            <a:r>
-              <a:rPr lang="en-US"/>
-              <a:t>Soumya Vajjhala Jazz Album</a:t>
-            </a:r>
+            <a:endParaRPr lang="en-US"/>
           </a:p>
         </p:txBody>
       </p:sp>
@@ -4845,9 +4751,9 @@
           <a:bodyPr/>
           <a:lstStyle/>
           <a:p>
-            <a:fld id="{9361B7D8-9C2F-41C9-88EB-C1EE6D4ECE20}" type="datetime1">
+            <a:fld id="{F8F38086-F53E-4228-81D5-A4314D3DF8FD}" type="datetime1">
               <a:rPr lang="en-US" smtClean="0"/>
-              <a:t>10/9/2025</a:t>
+              <a:t>10/10/2025</a:t>
             </a:fld>
             <a:endParaRPr lang="en-US"/>
           </a:p>
@@ -4874,10 +4780,7 @@
           <a:bodyPr/>
           <a:lstStyle/>
           <a:p>
-            <a:r>
-              <a:rPr lang="en-US"/>
-              <a:t>Soumya Vajjhala Jazz Album</a:t>
-            </a:r>
+            <a:endParaRPr lang="en-US"/>
           </a:p>
         </p:txBody>
       </p:sp>
@@ -5061,9 +4964,9 @@
           <a:bodyPr/>
           <a:lstStyle/>
           <a:p>
-            <a:fld id="{E8D17BF1-C2F5-4700-A88A-0466F45BD125}" type="datetime1">
+            <a:fld id="{CEB054CD-3D95-4206-A61A-E9F8DA32D899}" type="datetime1">
               <a:rPr lang="en-US" smtClean="0"/>
-              <a:t>10/9/2025</a:t>
+              <a:t>10/10/2025</a:t>
             </a:fld>
             <a:endParaRPr lang="en-US"/>
           </a:p>
@@ -5090,10 +4993,7 @@
           <a:bodyPr/>
           <a:lstStyle/>
           <a:p>
-            <a:r>
-              <a:rPr lang="en-US"/>
-              <a:t>Soumya Vajjhala Jazz Album</a:t>
-            </a:r>
+            <a:endParaRPr lang="en-US"/>
           </a:p>
         </p:txBody>
       </p:sp>
@@ -5277,9 +5177,9 @@
           <a:bodyPr/>
           <a:lstStyle/>
           <a:p>
-            <a:fld id="{E787DB52-8B23-4FD9-BEFF-9C9630EFE5DE}" type="datetime1">
+            <a:fld id="{E4ED9AA7-12E4-4B3A-8672-53525F8D0DEF}" type="datetime1">
               <a:rPr lang="en-US" smtClean="0"/>
-              <a:t>10/9/2025</a:t>
+              <a:t>10/10/2025</a:t>
             </a:fld>
             <a:endParaRPr lang="en-US"/>
           </a:p>
@@ -5306,10 +5206,7 @@
           <a:bodyPr/>
           <a:lstStyle/>
           <a:p>
-            <a:r>
-              <a:rPr lang="en-US"/>
-              <a:t>Soumya Vajjhala Jazz Album</a:t>
-            </a:r>
+            <a:endParaRPr lang="en-US"/>
           </a:p>
         </p:txBody>
       </p:sp>
@@ -5537,9 +5434,9 @@
           <a:bodyPr/>
           <a:lstStyle/>
           <a:p>
-            <a:fld id="{A2880656-5858-49A4-B042-A48B37960BFD}" type="datetime1">
+            <a:fld id="{C97A7120-E6BC-40AF-A367-D3663A643536}" type="datetime1">
               <a:rPr lang="en-US" smtClean="0"/>
-              <a:t>10/9/2025</a:t>
+              <a:t>10/10/2025</a:t>
             </a:fld>
             <a:endParaRPr lang="en-US"/>
           </a:p>
@@ -5566,10 +5463,6 @@
           <a:bodyPr/>
           <a:lstStyle/>
           <a:p>
-            <a:r>
-              <a:rPr lang="en-US"/>
-              <a:t>Soumya Vajjhala Jazz Album</a:t>
-            </a:r>
             <a:endParaRPr lang="en-US" dirty="0"/>
           </a:p>
         </p:txBody>
